--- a/COMP702/09/2019-20-COMP702-09-lecture-materials.pptx
+++ b/COMP702/09/2019-20-COMP702-09-lecture-materials.pptx
@@ -5,7 +5,7 @@
     <p:sldMasterId id="2147483660" r:id="rId1"/>
   </p:sldMasterIdLst>
   <p:notesMasterIdLst>
-    <p:notesMasterId r:id="rId17"/>
+    <p:notesMasterId r:id="rId19"/>
   </p:notesMasterIdLst>
   <p:sldIdLst>
     <p:sldId id="256" r:id="rId2"/>
@@ -17,12 +17,14 @@
     <p:sldId id="261" r:id="rId8"/>
     <p:sldId id="262" r:id="rId9"/>
     <p:sldId id="263" r:id="rId10"/>
-    <p:sldId id="264" r:id="rId11"/>
-    <p:sldId id="266" r:id="rId12"/>
-    <p:sldId id="267" r:id="rId13"/>
-    <p:sldId id="269" r:id="rId14"/>
-    <p:sldId id="270" r:id="rId15"/>
-    <p:sldId id="268" r:id="rId16"/>
+    <p:sldId id="271" r:id="rId11"/>
+    <p:sldId id="264" r:id="rId12"/>
+    <p:sldId id="272" r:id="rId13"/>
+    <p:sldId id="266" r:id="rId14"/>
+    <p:sldId id="267" r:id="rId15"/>
+    <p:sldId id="269" r:id="rId16"/>
+    <p:sldId id="270" r:id="rId17"/>
+    <p:sldId id="268" r:id="rId18"/>
   </p:sldIdLst>
   <p:sldSz cx="9144000" cy="6858000" type="screen4x3"/>
   <p:notesSz cx="6858000" cy="9144000"/>
@@ -229,7 +231,7 @@
             <a:fld id="{B9ECC77C-B9D4-426D-95E0-0F8EBBBBB3AC}" type="datetimeFigureOut">
               <a:rPr lang="en-GB" smtClean="0"/>
               <a:pPr/>
-              <a:t>18/11/2019</a:t>
+              <a:t>19/11/2019</a:t>
             </a:fld>
             <a:endParaRPr lang="en-GB"/>
           </a:p>
@@ -744,7 +746,7 @@
             <a:fld id="{5923F103-BC34-4FE4-A40E-EDDEECFDA5D0}" type="datetimeFigureOut">
               <a:rPr lang="en-US" smtClean="0"/>
               <a:pPr/>
-              <a:t>11/18/2019</a:t>
+              <a:t>11/19/19</a:t>
             </a:fld>
             <a:endParaRPr lang="en-US" dirty="0"/>
           </a:p>
@@ -1007,7 +1009,7 @@
           <a:p>
             <a:fld id="{53086D93-FCAC-47E0-A2EE-787E62CA814C}" type="datetimeFigureOut">
               <a:rPr lang="en-US" smtClean="0"/>
-              <a:t>11/18/2019</a:t>
+              <a:t>11/19/19</a:t>
             </a:fld>
             <a:endParaRPr lang="en-US" dirty="0"/>
           </a:p>
@@ -1243,7 +1245,7 @@
           <a:p>
             <a:fld id="{CDA879A6-0FD0-4734-A311-86BFCA472E6E}" type="datetimeFigureOut">
               <a:rPr lang="en-US" smtClean="0"/>
-              <a:t>11/18/2019</a:t>
+              <a:t>11/19/19</a:t>
             </a:fld>
             <a:endParaRPr lang="en-US" dirty="0"/>
           </a:p>
@@ -1484,7 +1486,7 @@
           <a:p>
             <a:fld id="{19C9CA7B-DFD4-44B5-8C60-D14B8CD1FB59}" type="datetimeFigureOut">
               <a:rPr lang="en-US" smtClean="0"/>
-              <a:t>11/18/2019</a:t>
+              <a:t>11/19/19</a:t>
             </a:fld>
             <a:endParaRPr lang="en-US" dirty="0"/>
           </a:p>
@@ -1792,7 +1794,7 @@
           <a:p>
             <a:fld id="{F34E6425-0181-43F2-84FC-787E803FD2F8}" type="datetimeFigureOut">
               <a:rPr lang="en-US" smtClean="0"/>
-              <a:t>11/18/2019</a:t>
+              <a:t>11/19/19</a:t>
             </a:fld>
             <a:endParaRPr lang="en-US" dirty="0"/>
           </a:p>
@@ -2095,7 +2097,7 @@
           <a:p>
             <a:fld id="{3BDB8791-F1B0-41E7-B7FD-A781E65C4266}" type="datetimeFigureOut">
               <a:rPr lang="en-US" smtClean="0"/>
-              <a:t>11/18/2019</a:t>
+              <a:t>11/19/19</a:t>
             </a:fld>
             <a:endParaRPr lang="en-US" dirty="0"/>
           </a:p>
@@ -2518,7 +2520,7 @@
           <a:p>
             <a:fld id="{5FDD63B2-E120-4ED8-B27B-C685F510A5FE}" type="datetimeFigureOut">
               <a:rPr lang="en-US" smtClean="0"/>
-              <a:t>11/18/2019</a:t>
+              <a:t>11/19/19</a:t>
             </a:fld>
             <a:endParaRPr lang="en-US" dirty="0"/>
           </a:p>
@@ -2681,7 +2683,7 @@
           <a:p>
             <a:fld id="{7AA18ACC-A947-437B-A130-35BD54FDF1E9}" type="datetimeFigureOut">
               <a:rPr lang="en-US" smtClean="0"/>
-              <a:t>11/18/2019</a:t>
+              <a:t>11/19/19</a:t>
             </a:fld>
             <a:endParaRPr lang="en-US" dirty="0"/>
           </a:p>
@@ -2777,7 +2779,7 @@
           <a:p>
             <a:fld id="{7C8D7E02-BCB8-4D50-A234-369438C08659}" type="datetimeFigureOut">
               <a:rPr lang="en-US" smtClean="0"/>
-              <a:t>11/18/2019</a:t>
+              <a:t>11/19/19</a:t>
             </a:fld>
             <a:endParaRPr lang="en-US" dirty="0"/>
           </a:p>
@@ -3156,7 +3158,7 @@
           <a:p>
             <a:fld id="{76E86A4C-8E40-4F87-A4F0-01A0687C5742}" type="datetimeFigureOut">
               <a:rPr lang="en-US" smtClean="0"/>
-              <a:t>11/18/2019</a:t>
+              <a:t>11/19/19</a:t>
             </a:fld>
             <a:endParaRPr lang="en-US" dirty="0"/>
           </a:p>
@@ -3446,7 +3448,7 @@
           <a:p>
             <a:fld id="{35E72C73-2D91-4E12-BA25-F0AA0C03599B}" type="datetimeFigureOut">
               <a:rPr lang="en-US" smtClean="0"/>
-              <a:t>11/18/2019</a:t>
+              <a:t>11/19/19</a:t>
             </a:fld>
             <a:endParaRPr lang="en-US" dirty="0"/>
           </a:p>
@@ -3658,7 +3660,7 @@
           <a:p>
             <a:fld id="{2BE451C3-0FF4-47C4-B829-773ADF60F88C}" type="datetimeFigureOut">
               <a:rPr lang="en-US" smtClean="0"/>
-              <a:t>11/18/2019</a:t>
+              <a:t>11/19/19</a:t>
             </a:fld>
             <a:endParaRPr lang="en-US" dirty="0"/>
           </a:p>
@@ -4393,6 +4395,229 @@
           <p:cNvPr id="2" name="Title 1">
             <a:extLst>
               <a:ext uri="{FF2B5EF4-FFF2-40B4-BE49-F238E27FC236}">
+                <a16:creationId xmlns:a16="http://schemas.microsoft.com/office/drawing/2014/main" id="{2CAAE960-E88D-4DF7-ADEE-73068BEDBFA2}"/>
+              </a:ext>
+            </a:extLst>
+          </p:cNvPr>
+          <p:cNvSpPr>
+            <a:spLocks noGrp="1"/>
+          </p:cNvSpPr>
+          <p:nvPr>
+            <p:ph type="title"/>
+          </p:nvPr>
+        </p:nvSpPr>
+        <p:spPr/>
+        <p:txBody>
+          <a:bodyPr/>
+          <a:lstStyle/>
+          <a:p>
+            <a:r>
+              <a:rPr lang="en-GB" dirty="0"/>
+              <a:t>Solving Sudoku</a:t>
+            </a:r>
+            <a:br>
+              <a:rPr lang="en-GB" dirty="0"/>
+            </a:br>
+            <a:r>
+              <a:rPr lang="en-GB" dirty="0"/>
+              <a:t>Constraint Propagation</a:t>
+            </a:r>
+          </a:p>
+        </p:txBody>
+      </p:sp>
+      <p:sp>
+        <p:nvSpPr>
+          <p:cNvPr id="3" name="Content Placeholder 2">
+            <a:extLst>
+              <a:ext uri="{FF2B5EF4-FFF2-40B4-BE49-F238E27FC236}">
+                <a16:creationId xmlns:a16="http://schemas.microsoft.com/office/drawing/2014/main" id="{63816EFB-DF05-4F76-817F-999E383C15FB}"/>
+              </a:ext>
+            </a:extLst>
+          </p:cNvPr>
+          <p:cNvSpPr>
+            <a:spLocks noGrp="1"/>
+          </p:cNvSpPr>
+          <p:nvPr>
+            <p:ph idx="1"/>
+          </p:nvPr>
+        </p:nvSpPr>
+        <p:spPr>
+          <a:xfrm>
+            <a:off x="435895" y="1844825"/>
+            <a:ext cx="8272211" cy="4680520"/>
+          </a:xfrm>
+        </p:spPr>
+        <p:txBody>
+          <a:bodyPr>
+            <a:normAutofit/>
+          </a:bodyPr>
+          <a:lstStyle/>
+          <a:p>
+            <a:pPr marL="0" indent="0">
+              <a:buNone/>
+            </a:pPr>
+            <a:r>
+              <a:rPr lang="en-GB" dirty="0"/>
+              <a:t>Procedure </a:t>
+            </a:r>
+            <a:r>
+              <a:rPr lang="en-GB" dirty="0" err="1"/>
+              <a:t>SolveConstraintPropagation</a:t>
+            </a:r>
+            <a:r>
+              <a:rPr lang="en-GB" dirty="0"/>
+              <a:t>()</a:t>
+            </a:r>
+          </a:p>
+          <a:p>
+            <a:pPr marL="0" indent="0">
+              <a:buNone/>
+            </a:pPr>
+            <a:r>
+              <a:rPr lang="en-GB" dirty="0"/>
+              <a:t>	Repeat</a:t>
+            </a:r>
+          </a:p>
+          <a:p>
+            <a:pPr marL="0" indent="0">
+              <a:buNone/>
+            </a:pPr>
+            <a:r>
+              <a:rPr lang="en-GB" dirty="0"/>
+              <a:t>		For each empty square</a:t>
+            </a:r>
+          </a:p>
+          <a:p>
+            <a:pPr marL="0" indent="0">
+              <a:buNone/>
+            </a:pPr>
+            <a:r>
+              <a:rPr lang="en-GB" dirty="0"/>
+              <a:t>			Determine the list of possible numbers that could go in the square</a:t>
+            </a:r>
+          </a:p>
+          <a:p>
+            <a:pPr marL="0" indent="0">
+              <a:buNone/>
+            </a:pPr>
+            <a:r>
+              <a:rPr lang="en-GB" dirty="0"/>
+              <a:t>			If the list is empty</a:t>
+            </a:r>
+          </a:p>
+          <a:p>
+            <a:pPr marL="0" indent="0">
+              <a:buNone/>
+            </a:pPr>
+            <a:r>
+              <a:rPr lang="en-GB" dirty="0"/>
+              <a:t>				Return false </a:t>
+            </a:r>
+            <a:r>
+              <a:rPr lang="en-GB" i="1" dirty="0"/>
+              <a:t>// unsolvable</a:t>
+            </a:r>
+          </a:p>
+          <a:p>
+            <a:pPr marL="0" indent="0">
+              <a:buNone/>
+            </a:pPr>
+            <a:r>
+              <a:rPr lang="en-GB" dirty="0"/>
+              <a:t>			Else if the list has a single element</a:t>
+            </a:r>
+          </a:p>
+          <a:p>
+            <a:pPr marL="0" indent="0">
+              <a:buNone/>
+            </a:pPr>
+            <a:r>
+              <a:rPr lang="en-GB" dirty="0"/>
+              <a:t>				Fill in the number</a:t>
+            </a:r>
+          </a:p>
+          <a:p>
+            <a:pPr marL="0" indent="0">
+              <a:buNone/>
+            </a:pPr>
+            <a:r>
+              <a:rPr lang="en-GB" dirty="0"/>
+              <a:t>			End If</a:t>
+            </a:r>
+          </a:p>
+          <a:p>
+            <a:pPr marL="0" indent="0">
+              <a:buNone/>
+            </a:pPr>
+            <a:r>
+              <a:rPr lang="en-GB" dirty="0"/>
+              <a:t>		End For</a:t>
+            </a:r>
+          </a:p>
+          <a:p>
+            <a:pPr marL="0" indent="0">
+              <a:buNone/>
+            </a:pPr>
+            <a:r>
+              <a:rPr lang="en-GB" dirty="0"/>
+              <a:t>	Until no changes are made</a:t>
+            </a:r>
+          </a:p>
+          <a:p>
+            <a:pPr marL="0" indent="0">
+              <a:buNone/>
+            </a:pPr>
+            <a:r>
+              <a:rPr lang="en-GB" dirty="0"/>
+              <a:t>	Return true</a:t>
+            </a:r>
+          </a:p>
+          <a:p>
+            <a:pPr marL="0" indent="0">
+              <a:buNone/>
+            </a:pPr>
+            <a:r>
+              <a:rPr lang="en-GB" dirty="0"/>
+              <a:t>End Procedure</a:t>
+            </a:r>
+          </a:p>
+        </p:txBody>
+      </p:sp>
+    </p:spTree>
+    <p:extLst>
+      <p:ext uri="{BB962C8B-B14F-4D97-AF65-F5344CB8AC3E}">
+        <p14:creationId xmlns:p14="http://schemas.microsoft.com/office/powerpoint/2010/main" val="3713905378"/>
+      </p:ext>
+    </p:extLst>
+  </p:cSld>
+  <p:clrMapOvr>
+    <a:masterClrMapping/>
+  </p:clrMapOvr>
+</p:sld>
+</file>
+
+<file path=ppt/slides/slide11.xml><?xml version="1.0" encoding="utf-8"?>
+<p:sld xmlns:a="http://schemas.openxmlformats.org/drawingml/2006/main" xmlns:r="http://schemas.openxmlformats.org/officeDocument/2006/relationships" xmlns:p="http://schemas.openxmlformats.org/presentationml/2006/main">
+  <p:cSld>
+    <p:spTree>
+      <p:nvGrpSpPr>
+        <p:cNvPr id="1" name=""/>
+        <p:cNvGrpSpPr/>
+        <p:nvPr/>
+      </p:nvGrpSpPr>
+      <p:grpSpPr>
+        <a:xfrm>
+          <a:off x="0" y="0"/>
+          <a:ext cx="0" cy="0"/>
+          <a:chOff x="0" y="0"/>
+          <a:chExt cx="0" cy="0"/>
+        </a:xfrm>
+      </p:grpSpPr>
+      <p:sp>
+        <p:nvSpPr>
+          <p:cNvPr id="2" name="Title 1">
+            <a:extLst>
+              <a:ext uri="{FF2B5EF4-FFF2-40B4-BE49-F238E27FC236}">
                 <a16:creationId xmlns:a16="http://schemas.microsoft.com/office/drawing/2014/main" id="{1829A38A-71DA-4191-BBCF-88F8A56C5211}"/>
               </a:ext>
             </a:extLst>
@@ -4780,7 +5005,943 @@
 </p:sld>
 </file>
 
-<file path=ppt/slides/slide11.xml><?xml version="1.0" encoding="utf-8"?>
+<file path=ppt/slides/slide12.xml><?xml version="1.0" encoding="utf-8"?>
+<p:sld xmlns:a="http://schemas.openxmlformats.org/drawingml/2006/main" xmlns:r="http://schemas.openxmlformats.org/officeDocument/2006/relationships" xmlns:p="http://schemas.openxmlformats.org/presentationml/2006/main">
+  <p:cSld>
+    <p:spTree>
+      <p:nvGrpSpPr>
+        <p:cNvPr id="1" name=""/>
+        <p:cNvGrpSpPr/>
+        <p:nvPr/>
+      </p:nvGrpSpPr>
+      <p:grpSpPr>
+        <a:xfrm>
+          <a:off x="0" y="0"/>
+          <a:ext cx="0" cy="0"/>
+          <a:chOff x="0" y="0"/>
+          <a:chExt cx="0" cy="0"/>
+        </a:xfrm>
+      </p:grpSpPr>
+      <p:sp>
+        <p:nvSpPr>
+          <p:cNvPr id="2" name="Title 1">
+            <a:extLst>
+              <a:ext uri="{FF2B5EF4-FFF2-40B4-BE49-F238E27FC236}">
+                <a16:creationId xmlns:a16="http://schemas.microsoft.com/office/drawing/2014/main" id="{884D4133-4FE8-7D4E-B49A-DA2D22B075E6}"/>
+              </a:ext>
+            </a:extLst>
+          </p:cNvPr>
+          <p:cNvSpPr>
+            <a:spLocks noGrp="1"/>
+          </p:cNvSpPr>
+          <p:nvPr>
+            <p:ph type="title"/>
+          </p:nvPr>
+        </p:nvSpPr>
+        <p:spPr/>
+        <p:txBody>
+          <a:bodyPr/>
+          <a:lstStyle/>
+          <a:p>
+            <a:r>
+              <a:rPr lang="en-US" dirty="0"/>
+              <a:t>Solving Sudoku</a:t>
+            </a:r>
+            <a:br>
+              <a:rPr lang="en-US" dirty="0"/>
+            </a:br>
+            <a:r>
+              <a:rPr lang="en-US" dirty="0"/>
+              <a:t>Backtracking + constraint propagation</a:t>
+            </a:r>
+          </a:p>
+        </p:txBody>
+      </p:sp>
+      <p:sp>
+        <p:nvSpPr>
+          <p:cNvPr id="4" name="Content Placeholder 2">
+            <a:extLst>
+              <a:ext uri="{FF2B5EF4-FFF2-40B4-BE49-F238E27FC236}">
+                <a16:creationId xmlns:a16="http://schemas.microsoft.com/office/drawing/2014/main" id="{BB41195E-D043-D246-8CE2-1E5A6B2CFB7F}"/>
+              </a:ext>
+            </a:extLst>
+          </p:cNvPr>
+          <p:cNvSpPr>
+            <a:spLocks noGrp="1"/>
+          </p:cNvSpPr>
+          <p:nvPr>
+            <p:ph idx="1"/>
+          </p:nvPr>
+        </p:nvSpPr>
+        <p:spPr>
+          <a:xfrm>
+            <a:off x="435895" y="1844825"/>
+            <a:ext cx="4280121" cy="4680520"/>
+          </a:xfrm>
+        </p:spPr>
+        <p:txBody>
+          <a:bodyPr>
+            <a:normAutofit lnSpcReduction="10000"/>
+          </a:bodyPr>
+          <a:lstStyle/>
+          <a:p>
+            <a:pPr marL="0" indent="0">
+              <a:buNone/>
+            </a:pPr>
+            <a:r>
+              <a:rPr lang="en-GB" dirty="0"/>
+              <a:t>Procedure </a:t>
+            </a:r>
+            <a:r>
+              <a:rPr lang="en-GB" dirty="0" err="1"/>
+              <a:t>SolveConstraintPropagation</a:t>
+            </a:r>
+            <a:r>
+              <a:rPr lang="en-GB" dirty="0"/>
+              <a:t>()</a:t>
+            </a:r>
+          </a:p>
+          <a:p>
+            <a:pPr marL="0" indent="0">
+              <a:buNone/>
+            </a:pPr>
+            <a:r>
+              <a:rPr lang="en-GB" dirty="0"/>
+              <a:t>	Repeat</a:t>
+            </a:r>
+          </a:p>
+          <a:p>
+            <a:pPr marL="0" indent="0">
+              <a:buNone/>
+            </a:pPr>
+            <a:r>
+              <a:rPr lang="en-GB" dirty="0"/>
+              <a:t>		For each empty square</a:t>
+            </a:r>
+          </a:p>
+          <a:p>
+            <a:pPr marL="0" indent="0">
+              <a:buNone/>
+            </a:pPr>
+            <a:r>
+              <a:rPr lang="en-GB" dirty="0"/>
+              <a:t>			Determine the list of possible numbers</a:t>
+            </a:r>
+          </a:p>
+          <a:p>
+            <a:pPr marL="0" indent="0">
+              <a:buNone/>
+            </a:pPr>
+            <a:r>
+              <a:rPr lang="en-GB" dirty="0"/>
+              <a:t>			If the list is empty</a:t>
+            </a:r>
+          </a:p>
+          <a:p>
+            <a:pPr marL="0" indent="0">
+              <a:buNone/>
+            </a:pPr>
+            <a:r>
+              <a:rPr lang="en-GB" dirty="0"/>
+              <a:t>				Return false </a:t>
+            </a:r>
+            <a:r>
+              <a:rPr lang="en-GB" i="1" dirty="0"/>
+              <a:t>// unsolvable</a:t>
+            </a:r>
+          </a:p>
+          <a:p>
+            <a:pPr marL="0" indent="0">
+              <a:buNone/>
+            </a:pPr>
+            <a:r>
+              <a:rPr lang="en-GB" dirty="0"/>
+              <a:t>			Else if the list has a single element</a:t>
+            </a:r>
+          </a:p>
+          <a:p>
+            <a:pPr marL="0" indent="0">
+              <a:buNone/>
+            </a:pPr>
+            <a:r>
+              <a:rPr lang="en-GB" dirty="0"/>
+              <a:t>				Fill in the number</a:t>
+            </a:r>
+          </a:p>
+          <a:p>
+            <a:pPr marL="0" indent="0">
+              <a:buNone/>
+            </a:pPr>
+            <a:r>
+              <a:rPr lang="en-GB" dirty="0"/>
+              <a:t>			End If</a:t>
+            </a:r>
+          </a:p>
+          <a:p>
+            <a:pPr marL="0" indent="0">
+              <a:buNone/>
+            </a:pPr>
+            <a:r>
+              <a:rPr lang="en-GB" dirty="0"/>
+              <a:t>		End For</a:t>
+            </a:r>
+          </a:p>
+          <a:p>
+            <a:pPr marL="0" indent="0">
+              <a:buNone/>
+            </a:pPr>
+            <a:r>
+              <a:rPr lang="en-GB" dirty="0"/>
+              <a:t>	Until no changes are made</a:t>
+            </a:r>
+          </a:p>
+          <a:p>
+            <a:pPr marL="0" indent="0">
+              <a:buNone/>
+            </a:pPr>
+            <a:r>
+              <a:rPr lang="en-GB" dirty="0"/>
+              <a:t>	If the puzzle is solved</a:t>
+            </a:r>
+          </a:p>
+          <a:p>
+            <a:pPr marL="0" indent="0">
+              <a:buNone/>
+            </a:pPr>
+            <a:r>
+              <a:rPr lang="en-GB" dirty="0"/>
+              <a:t>		Return true</a:t>
+            </a:r>
+          </a:p>
+          <a:p>
+            <a:pPr marL="0" indent="0">
+              <a:buNone/>
+            </a:pPr>
+            <a:r>
+              <a:rPr lang="en-GB" dirty="0"/>
+              <a:t>	Else</a:t>
+            </a:r>
+          </a:p>
+          <a:p>
+            <a:pPr marL="0" indent="0">
+              <a:buNone/>
+            </a:pPr>
+            <a:r>
+              <a:rPr lang="en-GB" dirty="0"/>
+              <a:t>		Return </a:t>
+            </a:r>
+            <a:r>
+              <a:rPr lang="en-GB" dirty="0" err="1"/>
+              <a:t>SolveBacktracking</a:t>
+            </a:r>
+            <a:r>
+              <a:rPr lang="en-GB" dirty="0"/>
+              <a:t>(first empty square)</a:t>
+            </a:r>
+          </a:p>
+          <a:p>
+            <a:pPr marL="0" indent="0">
+              <a:buNone/>
+            </a:pPr>
+            <a:r>
+              <a:rPr lang="en-GB" dirty="0"/>
+              <a:t>End Procedure</a:t>
+            </a:r>
+          </a:p>
+        </p:txBody>
+      </p:sp>
+      <mc:AlternateContent xmlns:mc="http://schemas.openxmlformats.org/markup-compatibility/2006">
+        <mc:Choice xmlns:a14="http://schemas.microsoft.com/office/drawing/2010/main" Requires="a14">
+          <p:sp>
+            <p:nvSpPr>
+              <p:cNvPr id="5" name="Content Placeholder 2">
+                <a:extLst>
+                  <a:ext uri="{FF2B5EF4-FFF2-40B4-BE49-F238E27FC236}">
+                    <a16:creationId xmlns:a16="http://schemas.microsoft.com/office/drawing/2014/main" id="{06068D7B-4C3B-2543-8D1A-B2D1F63677BF}"/>
+                  </a:ext>
+                </a:extLst>
+              </p:cNvPr>
+              <p:cNvSpPr txBox="1">
+                <a:spLocks/>
+              </p:cNvSpPr>
+              <p:nvPr/>
+            </p:nvSpPr>
+            <p:spPr>
+              <a:xfrm>
+                <a:off x="4572000" y="1916832"/>
+                <a:ext cx="4280120" cy="4392487"/>
+              </a:xfrm>
+              <a:prstGeom prst="rect">
+                <a:avLst/>
+              </a:prstGeom>
+            </p:spPr>
+            <p:txBody>
+              <a:bodyPr vert="horz" lIns="91440" tIns="45720" rIns="91440" bIns="45720" rtlCol="0" anchor="ctr">
+                <a:normAutofit/>
+              </a:bodyPr>
+              <a:lstStyle>
+                <a:lvl1pPr marL="229500" indent="-229500" algn="l" defTabSz="342900" rtl="0" eaLnBrk="1" latinLnBrk="0" hangingPunct="1">
+                  <a:spcBef>
+                    <a:spcPct val="20000"/>
+                  </a:spcBef>
+                  <a:spcAft>
+                    <a:spcPts val="450"/>
+                  </a:spcAft>
+                  <a:buClr>
+                    <a:schemeClr val="accent2"/>
+                  </a:buClr>
+                  <a:buSzPct val="92000"/>
+                  <a:buFont typeface="Wingdings 2" panose="05020102010507070707" pitchFamily="18" charset="2"/>
+                  <a:buChar char=""/>
+                  <a:defRPr sz="1350" kern="1200">
+                    <a:solidFill>
+                      <a:schemeClr val="tx2"/>
+                    </a:solidFill>
+                    <a:latin typeface="+mn-lt"/>
+                    <a:ea typeface="+mn-ea"/>
+                    <a:cs typeface="+mn-cs"/>
+                  </a:defRPr>
+                </a:lvl1pPr>
+                <a:lvl2pPr marL="472500" indent="-229500" algn="l" defTabSz="342900" rtl="0" eaLnBrk="1" latinLnBrk="0" hangingPunct="1">
+                  <a:spcBef>
+                    <a:spcPct val="20000"/>
+                  </a:spcBef>
+                  <a:spcAft>
+                    <a:spcPts val="450"/>
+                  </a:spcAft>
+                  <a:buClr>
+                    <a:schemeClr val="accent2"/>
+                  </a:buClr>
+                  <a:buSzPct val="92000"/>
+                  <a:buFont typeface="Wingdings 2" panose="05020102010507070707" pitchFamily="18" charset="2"/>
+                  <a:buChar char=""/>
+                  <a:defRPr sz="1200" kern="1200">
+                    <a:solidFill>
+                      <a:schemeClr val="tx2"/>
+                    </a:solidFill>
+                    <a:latin typeface="+mn-lt"/>
+                    <a:ea typeface="+mn-ea"/>
+                    <a:cs typeface="+mn-cs"/>
+                  </a:defRPr>
+                </a:lvl2pPr>
+                <a:lvl3pPr marL="675000" indent="-202500" algn="l" defTabSz="342900" rtl="0" eaLnBrk="1" latinLnBrk="0" hangingPunct="1">
+                  <a:spcBef>
+                    <a:spcPct val="20000"/>
+                  </a:spcBef>
+                  <a:spcAft>
+                    <a:spcPts val="450"/>
+                  </a:spcAft>
+                  <a:buClr>
+                    <a:schemeClr val="accent2"/>
+                  </a:buClr>
+                  <a:buSzPct val="92000"/>
+                  <a:buFont typeface="Wingdings 2" panose="05020102010507070707" pitchFamily="18" charset="2"/>
+                  <a:buChar char=""/>
+                  <a:defRPr sz="1050" kern="1200">
+                    <a:solidFill>
+                      <a:schemeClr val="tx2"/>
+                    </a:solidFill>
+                    <a:latin typeface="+mn-lt"/>
+                    <a:ea typeface="+mn-ea"/>
+                    <a:cs typeface="+mn-cs"/>
+                  </a:defRPr>
+                </a:lvl3pPr>
+                <a:lvl4pPr marL="931500" indent="-175500" algn="l" defTabSz="342900" rtl="0" eaLnBrk="1" latinLnBrk="0" hangingPunct="1">
+                  <a:spcBef>
+                    <a:spcPct val="20000"/>
+                  </a:spcBef>
+                  <a:spcAft>
+                    <a:spcPts val="450"/>
+                  </a:spcAft>
+                  <a:buClr>
+                    <a:schemeClr val="accent2"/>
+                  </a:buClr>
+                  <a:buSzPct val="92000"/>
+                  <a:buFont typeface="Wingdings 2" panose="05020102010507070707" pitchFamily="18" charset="2"/>
+                  <a:buChar char=""/>
+                  <a:defRPr sz="900" kern="1200">
+                    <a:solidFill>
+                      <a:schemeClr val="tx2"/>
+                    </a:solidFill>
+                    <a:latin typeface="+mn-lt"/>
+                    <a:ea typeface="+mn-ea"/>
+                    <a:cs typeface="+mn-cs"/>
+                  </a:defRPr>
+                </a:lvl4pPr>
+                <a:lvl5pPr marL="1201500" indent="-175500" algn="l" defTabSz="342900" rtl="0" eaLnBrk="1" latinLnBrk="0" hangingPunct="1">
+                  <a:spcBef>
+                    <a:spcPct val="20000"/>
+                  </a:spcBef>
+                  <a:spcAft>
+                    <a:spcPts val="450"/>
+                  </a:spcAft>
+                  <a:buClr>
+                    <a:schemeClr val="accent2"/>
+                  </a:buClr>
+                  <a:buSzPct val="92000"/>
+                  <a:buFont typeface="Wingdings 2" panose="05020102010507070707" pitchFamily="18" charset="2"/>
+                  <a:buChar char=""/>
+                  <a:defRPr sz="900" kern="1200">
+                    <a:solidFill>
+                      <a:schemeClr val="tx2"/>
+                    </a:solidFill>
+                    <a:latin typeface="+mn-lt"/>
+                    <a:ea typeface="+mn-ea"/>
+                    <a:cs typeface="+mn-cs"/>
+                  </a:defRPr>
+                </a:lvl5pPr>
+                <a:lvl6pPr marL="1425000" indent="-171450" algn="l" defTabSz="342900" rtl="0" eaLnBrk="1" latinLnBrk="0" hangingPunct="1">
+                  <a:spcBef>
+                    <a:spcPct val="20000"/>
+                  </a:spcBef>
+                  <a:spcAft>
+                    <a:spcPts val="450"/>
+                  </a:spcAft>
+                  <a:buClr>
+                    <a:schemeClr val="accent2"/>
+                  </a:buClr>
+                  <a:buSzPct val="92000"/>
+                  <a:buFont typeface="Wingdings 2" panose="05020102010507070707" pitchFamily="18" charset="2"/>
+                  <a:buChar char=""/>
+                  <a:defRPr sz="900" kern="1200">
+                    <a:solidFill>
+                      <a:schemeClr val="tx2"/>
+                    </a:solidFill>
+                    <a:latin typeface="+mn-lt"/>
+                    <a:ea typeface="+mn-ea"/>
+                    <a:cs typeface="+mn-cs"/>
+                  </a:defRPr>
+                </a:lvl6pPr>
+                <a:lvl7pPr marL="1650000" indent="-171450" algn="l" defTabSz="342900" rtl="0" eaLnBrk="1" latinLnBrk="0" hangingPunct="1">
+                  <a:spcBef>
+                    <a:spcPct val="20000"/>
+                  </a:spcBef>
+                  <a:spcAft>
+                    <a:spcPts val="450"/>
+                  </a:spcAft>
+                  <a:buClr>
+                    <a:schemeClr val="accent2"/>
+                  </a:buClr>
+                  <a:buSzPct val="92000"/>
+                  <a:buFont typeface="Wingdings 2" panose="05020102010507070707" pitchFamily="18" charset="2"/>
+                  <a:buChar char=""/>
+                  <a:defRPr sz="900" kern="1200">
+                    <a:solidFill>
+                      <a:schemeClr val="tx2"/>
+                    </a:solidFill>
+                    <a:latin typeface="+mn-lt"/>
+                    <a:ea typeface="+mn-ea"/>
+                    <a:cs typeface="+mn-cs"/>
+                  </a:defRPr>
+                </a:lvl7pPr>
+                <a:lvl8pPr marL="1875000" indent="-171450" algn="l" defTabSz="342900" rtl="0" eaLnBrk="1" latinLnBrk="0" hangingPunct="1">
+                  <a:spcBef>
+                    <a:spcPct val="20000"/>
+                  </a:spcBef>
+                  <a:spcAft>
+                    <a:spcPts val="450"/>
+                  </a:spcAft>
+                  <a:buClr>
+                    <a:schemeClr val="accent2"/>
+                  </a:buClr>
+                  <a:buSzPct val="92000"/>
+                  <a:buFont typeface="Wingdings 2" panose="05020102010507070707" pitchFamily="18" charset="2"/>
+                  <a:buChar char=""/>
+                  <a:defRPr sz="900" kern="1200">
+                    <a:solidFill>
+                      <a:schemeClr val="tx2"/>
+                    </a:solidFill>
+                    <a:latin typeface="+mn-lt"/>
+                    <a:ea typeface="+mn-ea"/>
+                    <a:cs typeface="+mn-cs"/>
+                  </a:defRPr>
+                </a:lvl8pPr>
+                <a:lvl9pPr marL="2100000" indent="-171450" algn="l" defTabSz="342900" rtl="0" eaLnBrk="1" latinLnBrk="0" hangingPunct="1">
+                  <a:spcBef>
+                    <a:spcPct val="20000"/>
+                  </a:spcBef>
+                  <a:spcAft>
+                    <a:spcPts val="450"/>
+                  </a:spcAft>
+                  <a:buClr>
+                    <a:schemeClr val="accent2"/>
+                  </a:buClr>
+                  <a:buSzPct val="92000"/>
+                  <a:buFont typeface="Wingdings 2" panose="05020102010507070707" pitchFamily="18" charset="2"/>
+                  <a:buChar char=""/>
+                  <a:defRPr sz="900" kern="1200">
+                    <a:solidFill>
+                      <a:schemeClr val="tx2"/>
+                    </a:solidFill>
+                    <a:latin typeface="+mn-lt"/>
+                    <a:ea typeface="+mn-ea"/>
+                    <a:cs typeface="+mn-cs"/>
+                  </a:defRPr>
+                </a:lvl9pPr>
+              </a:lstStyle>
+              <a:p>
+                <a:pPr marL="0" indent="0">
+                  <a:buFont typeface="Wingdings 2" panose="05020102010507070707" pitchFamily="18" charset="2"/>
+                  <a:buNone/>
+                </a:pPr>
+                <a:r>
+                  <a:rPr lang="en-GB" dirty="0"/>
+                  <a:t>Procedure </a:t>
+                </a:r>
+                <a:r>
+                  <a:rPr lang="en-GB" dirty="0" err="1"/>
+                  <a:t>SolveBacktracking</a:t>
+                </a:r>
+                <a:r>
+                  <a:rPr lang="en-GB" dirty="0"/>
+                  <a:t>(square)</a:t>
+                </a:r>
+              </a:p>
+              <a:p>
+                <a:pPr marL="0" indent="0">
+                  <a:buFont typeface="Wingdings 2" panose="05020102010507070707" pitchFamily="18" charset="2"/>
+                  <a:buNone/>
+                </a:pPr>
+                <a:r>
+                  <a:rPr lang="en-GB" dirty="0"/>
+                  <a:t>	For </a:t>
+                </a:r>
+                <a14:m>
+                  <m:oMath xmlns:m="http://schemas.openxmlformats.org/officeDocument/2006/math">
+                    <m:r>
+                      <a:rPr lang="en-GB" i="1" smtClean="0">
+                        <a:latin typeface="Cambria Math" panose="02040503050406030204" pitchFamily="18" charset="0"/>
+                      </a:rPr>
+                      <m:t>𝑛</m:t>
+                    </m:r>
+                    <m:r>
+                      <a:rPr lang="en-GB" i="1" smtClean="0">
+                        <a:latin typeface="Cambria Math" panose="02040503050406030204" pitchFamily="18" charset="0"/>
+                      </a:rPr>
+                      <m:t>=1,…,9</m:t>
+                    </m:r>
+                  </m:oMath>
+                </a14:m>
+                <a:endParaRPr lang="en-GB" dirty="0"/>
+              </a:p>
+              <a:p>
+                <a:pPr marL="0" indent="0">
+                  <a:buFont typeface="Wingdings 2" panose="05020102010507070707" pitchFamily="18" charset="2"/>
+                  <a:buNone/>
+                </a:pPr>
+                <a:r>
+                  <a:rPr lang="en-GB" dirty="0"/>
+                  <a:t>		If square can have value </a:t>
+                </a:r>
+                <a14:m>
+                  <m:oMath xmlns:m="http://schemas.openxmlformats.org/officeDocument/2006/math">
+                    <m:r>
+                      <a:rPr lang="en-GB" i="1" smtClean="0">
+                        <a:latin typeface="Cambria Math" panose="02040503050406030204" pitchFamily="18" charset="0"/>
+                      </a:rPr>
+                      <m:t>𝑛</m:t>
+                    </m:r>
+                  </m:oMath>
+                </a14:m>
+                <a:endParaRPr lang="en-GB" dirty="0"/>
+              </a:p>
+              <a:p>
+                <a:pPr marL="0" indent="0">
+                  <a:buFont typeface="Wingdings 2" panose="05020102010507070707" pitchFamily="18" charset="2"/>
+                  <a:buNone/>
+                </a:pPr>
+                <a:r>
+                  <a:rPr lang="en-GB" dirty="0"/>
+                  <a:t>			Save the state of the board</a:t>
+                </a:r>
+              </a:p>
+              <a:p>
+                <a:pPr marL="0" indent="0">
+                  <a:buFont typeface="Wingdings 2" panose="05020102010507070707" pitchFamily="18" charset="2"/>
+                  <a:buNone/>
+                </a:pPr>
+                <a:r>
+                  <a:rPr lang="en-GB" dirty="0"/>
+                  <a:t>			Set value of square to </a:t>
+                </a:r>
+                <a14:m>
+                  <m:oMath xmlns:m="http://schemas.openxmlformats.org/officeDocument/2006/math">
+                    <m:r>
+                      <a:rPr lang="en-GB" i="1" smtClean="0">
+                        <a:latin typeface="Cambria Math" panose="02040503050406030204" pitchFamily="18" charset="0"/>
+                      </a:rPr>
+                      <m:t>𝑛</m:t>
+                    </m:r>
+                  </m:oMath>
+                </a14:m>
+                <a:endParaRPr lang="en-GB" dirty="0"/>
+              </a:p>
+              <a:p>
+                <a:pPr marL="0" indent="0">
+                  <a:buFont typeface="Wingdings 2" panose="05020102010507070707" pitchFamily="18" charset="2"/>
+                  <a:buNone/>
+                </a:pPr>
+                <a:r>
+                  <a:rPr lang="en-GB" dirty="0"/>
+                  <a:t>			If </a:t>
+                </a:r>
+                <a:r>
+                  <a:rPr lang="en-GB" dirty="0" err="1"/>
+                  <a:t>SolveConstraintPropagation</a:t>
+                </a:r>
+                <a:r>
+                  <a:rPr lang="en-GB" dirty="0"/>
+                  <a:t>()</a:t>
+                </a:r>
+              </a:p>
+              <a:p>
+                <a:pPr marL="0" indent="0">
+                  <a:buFont typeface="Wingdings 2" panose="05020102010507070707" pitchFamily="18" charset="2"/>
+                  <a:buNone/>
+                </a:pPr>
+                <a:r>
+                  <a:rPr lang="en-GB" dirty="0"/>
+                  <a:t>				Return true</a:t>
+                </a:r>
+              </a:p>
+              <a:p>
+                <a:pPr marL="0" indent="0">
+                  <a:buFont typeface="Wingdings 2" panose="05020102010507070707" pitchFamily="18" charset="2"/>
+                  <a:buNone/>
+                </a:pPr>
+                <a:r>
+                  <a:rPr lang="en-GB" dirty="0"/>
+                  <a:t>			End If</a:t>
+                </a:r>
+              </a:p>
+              <a:p>
+                <a:pPr marL="0" indent="0">
+                  <a:buFont typeface="Wingdings 2" panose="05020102010507070707" pitchFamily="18" charset="2"/>
+                  <a:buNone/>
+                </a:pPr>
+                <a:r>
+                  <a:rPr lang="en-GB" dirty="0"/>
+                  <a:t>			Restore the saved state of the board</a:t>
+                </a:r>
+              </a:p>
+              <a:p>
+                <a:pPr marL="0" indent="0">
+                  <a:buFont typeface="Wingdings 2" panose="05020102010507070707" pitchFamily="18" charset="2"/>
+                  <a:buNone/>
+                </a:pPr>
+                <a:r>
+                  <a:rPr lang="en-GB" dirty="0"/>
+                  <a:t>		End If</a:t>
+                </a:r>
+              </a:p>
+              <a:p>
+                <a:pPr marL="0" indent="0">
+                  <a:buFont typeface="Wingdings 2" panose="05020102010507070707" pitchFamily="18" charset="2"/>
+                  <a:buNone/>
+                </a:pPr>
+                <a:r>
+                  <a:rPr lang="en-GB" dirty="0"/>
+                  <a:t>	End For</a:t>
+                </a:r>
+              </a:p>
+              <a:p>
+                <a:pPr marL="0" indent="0">
+                  <a:buFont typeface="Wingdings 2" panose="05020102010507070707" pitchFamily="18" charset="2"/>
+                  <a:buNone/>
+                </a:pPr>
+                <a:r>
+                  <a:rPr lang="en-GB" dirty="0"/>
+                  <a:t>	Clear the value of square</a:t>
+                </a:r>
+              </a:p>
+              <a:p>
+                <a:pPr marL="0" indent="0">
+                  <a:buFont typeface="Wingdings 2" panose="05020102010507070707" pitchFamily="18" charset="2"/>
+                  <a:buNone/>
+                </a:pPr>
+                <a:r>
+                  <a:rPr lang="en-GB" dirty="0"/>
+                  <a:t>	Return false</a:t>
+                </a:r>
+              </a:p>
+              <a:p>
+                <a:pPr marL="0" indent="0">
+                  <a:buFont typeface="Wingdings 2" panose="05020102010507070707" pitchFamily="18" charset="2"/>
+                  <a:buNone/>
+                </a:pPr>
+                <a:r>
+                  <a:rPr lang="en-GB" dirty="0"/>
+                  <a:t>End Procedure</a:t>
+                </a:r>
+              </a:p>
+            </p:txBody>
+          </p:sp>
+        </mc:Choice>
+        <mc:Fallback>
+          <p:sp>
+            <p:nvSpPr>
+              <p:cNvPr id="5" name="Content Placeholder 2">
+                <a:extLst>
+                  <a:ext uri="{FF2B5EF4-FFF2-40B4-BE49-F238E27FC236}">
+                    <a16:creationId xmlns:a16="http://schemas.microsoft.com/office/drawing/2014/main" id="{06068D7B-4C3B-2543-8D1A-B2D1F63677BF}"/>
+                  </a:ext>
+                </a:extLst>
+              </p:cNvPr>
+              <p:cNvSpPr txBox="1">
+                <a:spLocks noRot="1" noChangeAspect="1" noMove="1" noResize="1" noEditPoints="1" noAdjustHandles="1" noChangeArrowheads="1" noChangeShapeType="1" noTextEdit="1"/>
+              </p:cNvSpPr>
+              <p:nvPr/>
+            </p:nvSpPr>
+            <p:spPr>
+              <a:xfrm>
+                <a:off x="4572000" y="1916832"/>
+                <a:ext cx="4280120" cy="4392487"/>
+              </a:xfrm>
+              <a:prstGeom prst="rect">
+                <a:avLst/>
+              </a:prstGeom>
+              <a:blipFill>
+                <a:blip r:embed="rId2"/>
+                <a:stretch>
+                  <a:fillRect l="-297" b="-576"/>
+                </a:stretch>
+              </a:blipFill>
+            </p:spPr>
+            <p:txBody>
+              <a:bodyPr/>
+              <a:lstStyle/>
+              <a:p>
+                <a:r>
+                  <a:rPr lang="en-US">
+                    <a:noFill/>
+                  </a:rPr>
+                  <a:t> </a:t>
+                </a:r>
+              </a:p>
+            </p:txBody>
+          </p:sp>
+        </mc:Fallback>
+      </mc:AlternateContent>
+      <p:cxnSp>
+        <p:nvCxnSpPr>
+          <p:cNvPr id="7" name="Straight Arrow Connector 6">
+            <a:extLst>
+              <a:ext uri="{FF2B5EF4-FFF2-40B4-BE49-F238E27FC236}">
+                <a16:creationId xmlns:a16="http://schemas.microsoft.com/office/drawing/2014/main" id="{5B13282E-4CF2-FC4C-BE58-883E572BDDD5}"/>
+              </a:ext>
+            </a:extLst>
+          </p:cNvPr>
+          <p:cNvCxnSpPr/>
+          <p:nvPr/>
+        </p:nvCxnSpPr>
+        <p:spPr>
+          <a:xfrm flipV="1">
+            <a:off x="2987824" y="2276872"/>
+            <a:ext cx="1728192" cy="3672408"/>
+          </a:xfrm>
+          <a:prstGeom prst="straightConnector1">
+            <a:avLst/>
+          </a:prstGeom>
+          <a:ln w="57150">
+            <a:solidFill>
+              <a:schemeClr val="accent5"/>
+            </a:solidFill>
+            <a:tailEnd type="triangle"/>
+          </a:ln>
+        </p:spPr>
+        <p:style>
+          <a:lnRef idx="1">
+            <a:schemeClr val="accent1"/>
+          </a:lnRef>
+          <a:fillRef idx="0">
+            <a:schemeClr val="accent1"/>
+          </a:fillRef>
+          <a:effectRef idx="0">
+            <a:schemeClr val="accent1"/>
+          </a:effectRef>
+          <a:fontRef idx="minor">
+            <a:schemeClr val="tx1"/>
+          </a:fontRef>
+        </p:style>
+      </p:cxnSp>
+      <p:cxnSp>
+        <p:nvCxnSpPr>
+          <p:cNvPr id="8" name="Straight Arrow Connector 7">
+            <a:extLst>
+              <a:ext uri="{FF2B5EF4-FFF2-40B4-BE49-F238E27FC236}">
+                <a16:creationId xmlns:a16="http://schemas.microsoft.com/office/drawing/2014/main" id="{45163200-9999-B64B-89CE-79B8BB2A94EA}"/>
+              </a:ext>
+            </a:extLst>
+          </p:cNvPr>
+          <p:cNvCxnSpPr>
+            <a:cxnSpLocks/>
+          </p:cNvCxnSpPr>
+          <p:nvPr/>
+        </p:nvCxnSpPr>
+        <p:spPr>
+          <a:xfrm flipH="1" flipV="1">
+            <a:off x="3419872" y="2060848"/>
+            <a:ext cx="2232248" cy="1584176"/>
+          </a:xfrm>
+          <a:prstGeom prst="straightConnector1">
+            <a:avLst/>
+          </a:prstGeom>
+          <a:ln w="57150">
+            <a:solidFill>
+              <a:schemeClr val="accent5"/>
+            </a:solidFill>
+            <a:tailEnd type="triangle"/>
+          </a:ln>
+        </p:spPr>
+        <p:style>
+          <a:lnRef idx="1">
+            <a:schemeClr val="accent1"/>
+          </a:lnRef>
+          <a:fillRef idx="0">
+            <a:schemeClr val="accent1"/>
+          </a:fillRef>
+          <a:effectRef idx="0">
+            <a:schemeClr val="accent1"/>
+          </a:effectRef>
+          <a:fontRef idx="minor">
+            <a:schemeClr val="tx1"/>
+          </a:fontRef>
+        </p:style>
+      </p:cxnSp>
+    </p:spTree>
+    <p:extLst>
+      <p:ext uri="{BB962C8B-B14F-4D97-AF65-F5344CB8AC3E}">
+        <p14:creationId xmlns:p14="http://schemas.microsoft.com/office/powerpoint/2010/main" val="149010467"/>
+      </p:ext>
+    </p:extLst>
+  </p:cSld>
+  <p:clrMapOvr>
+    <a:masterClrMapping/>
+  </p:clrMapOvr>
+  <p:timing>
+    <p:tnLst>
+      <p:par>
+        <p:cTn id="1" dur="indefinite" restart="never" nodeType="tmRoot">
+          <p:childTnLst>
+            <p:seq concurrent="1" nextAc="seek">
+              <p:cTn id="2" dur="indefinite" nodeType="mainSeq">
+                <p:childTnLst>
+                  <p:par>
+                    <p:cTn id="3" fill="hold">
+                      <p:stCondLst>
+                        <p:cond delay="indefinite"/>
+                      </p:stCondLst>
+                      <p:childTnLst>
+                        <p:par>
+                          <p:cTn id="4" fill="hold">
+                            <p:stCondLst>
+                              <p:cond delay="0"/>
+                            </p:stCondLst>
+                            <p:childTnLst>
+                              <p:par>
+                                <p:cTn id="5" presetID="1" presetClass="entr" presetSubtype="0" fill="hold" nodeType="clickEffect">
+                                  <p:stCondLst>
+                                    <p:cond delay="0"/>
+                                  </p:stCondLst>
+                                  <p:childTnLst>
+                                    <p:set>
+                                      <p:cBhvr>
+                                        <p:cTn id="6" dur="1" fill="hold">
+                                          <p:stCondLst>
+                                            <p:cond delay="0"/>
+                                          </p:stCondLst>
+                                        </p:cTn>
+                                        <p:tgtEl>
+                                          <p:spTgt spid="7"/>
+                                        </p:tgtEl>
+                                        <p:attrNameLst>
+                                          <p:attrName>style.visibility</p:attrName>
+                                        </p:attrNameLst>
+                                      </p:cBhvr>
+                                      <p:to>
+                                        <p:strVal val="visible"/>
+                                      </p:to>
+                                    </p:set>
+                                  </p:childTnLst>
+                                </p:cTn>
+                              </p:par>
+                            </p:childTnLst>
+                          </p:cTn>
+                        </p:par>
+                      </p:childTnLst>
+                    </p:cTn>
+                  </p:par>
+                  <p:par>
+                    <p:cTn id="7" fill="hold">
+                      <p:stCondLst>
+                        <p:cond delay="indefinite"/>
+                      </p:stCondLst>
+                      <p:childTnLst>
+                        <p:par>
+                          <p:cTn id="8" fill="hold">
+                            <p:stCondLst>
+                              <p:cond delay="0"/>
+                            </p:stCondLst>
+                            <p:childTnLst>
+                              <p:par>
+                                <p:cTn id="9" presetID="1" presetClass="entr" presetSubtype="0" fill="hold" nodeType="clickEffect">
+                                  <p:stCondLst>
+                                    <p:cond delay="0"/>
+                                  </p:stCondLst>
+                                  <p:childTnLst>
+                                    <p:set>
+                                      <p:cBhvr>
+                                        <p:cTn id="10" dur="1" fill="hold">
+                                          <p:stCondLst>
+                                            <p:cond delay="0"/>
+                                          </p:stCondLst>
+                                        </p:cTn>
+                                        <p:tgtEl>
+                                          <p:spTgt spid="8"/>
+                                        </p:tgtEl>
+                                        <p:attrNameLst>
+                                          <p:attrName>style.visibility</p:attrName>
+                                        </p:attrNameLst>
+                                      </p:cBhvr>
+                                      <p:to>
+                                        <p:strVal val="visible"/>
+                                      </p:to>
+                                    </p:set>
+                                  </p:childTnLst>
+                                </p:cTn>
+                              </p:par>
+                            </p:childTnLst>
+                          </p:cTn>
+                        </p:par>
+                      </p:childTnLst>
+                    </p:cTn>
+                  </p:par>
+                </p:childTnLst>
+              </p:cTn>
+              <p:prevCondLst>
+                <p:cond evt="onPrev" delay="0">
+                  <p:tgtEl>
+                    <p:sldTgt/>
+                  </p:tgtEl>
+                </p:cond>
+              </p:prevCondLst>
+              <p:nextCondLst>
+                <p:cond evt="onNext" delay="0">
+                  <p:tgtEl>
+                    <p:sldTgt/>
+                  </p:tgtEl>
+                </p:cond>
+              </p:nextCondLst>
+            </p:seq>
+          </p:childTnLst>
+        </p:cTn>
+      </p:par>
+    </p:tnLst>
+  </p:timing>
+</p:sld>
+</file>
+
+<file path=ppt/slides/slide13.xml><?xml version="1.0" encoding="utf-8"?>
 <p:sld xmlns:a="http://schemas.openxmlformats.org/drawingml/2006/main" xmlns:r="http://schemas.openxmlformats.org/officeDocument/2006/relationships" xmlns:p="http://schemas.openxmlformats.org/presentationml/2006/main">
   <p:cSld>
     <p:spTree>
@@ -4863,7 +6024,7 @@
 </p:sld>
 </file>
 
-<file path=ppt/slides/slide12.xml><?xml version="1.0" encoding="utf-8"?>
+<file path=ppt/slides/slide14.xml><?xml version="1.0" encoding="utf-8"?>
 <p:sld xmlns:a="http://schemas.openxmlformats.org/drawingml/2006/main" xmlns:r="http://schemas.openxmlformats.org/officeDocument/2006/relationships" xmlns:p="http://schemas.openxmlformats.org/presentationml/2006/main">
   <p:cSld>
     <p:spTree>
@@ -5200,7 +6361,7 @@
 </p:sld>
 </file>
 
-<file path=ppt/slides/slide13.xml><?xml version="1.0" encoding="utf-8"?>
+<file path=ppt/slides/slide15.xml><?xml version="1.0" encoding="utf-8"?>
 <p:sld xmlns:a="http://schemas.openxmlformats.org/drawingml/2006/main" xmlns:r="http://schemas.openxmlformats.org/officeDocument/2006/relationships" xmlns:p="http://schemas.openxmlformats.org/presentationml/2006/main">
   <p:cSld>
     <p:spTree>
@@ -5763,7 +6924,7 @@
 </p:sld>
 </file>
 
-<file path=ppt/slides/slide14.xml><?xml version="1.0" encoding="utf-8"?>
+<file path=ppt/slides/slide16.xml><?xml version="1.0" encoding="utf-8"?>
 <p:sld xmlns:a="http://schemas.openxmlformats.org/drawingml/2006/main" xmlns:r="http://schemas.openxmlformats.org/officeDocument/2006/relationships" xmlns:p="http://schemas.openxmlformats.org/presentationml/2006/main">
   <p:cSld>
     <p:spTree>
@@ -5808,8 +6969,8 @@
           </a:p>
         </p:txBody>
       </p:sp>
-      <mc:AlternateContent xmlns:mc="http://schemas.openxmlformats.org/markup-compatibility/2006">
-        <mc:Choice xmlns:a14="http://schemas.microsoft.com/office/drawing/2010/main" Requires="a14">
+      <mc:AlternateContent xmlns:mc="http://schemas.openxmlformats.org/markup-compatibility/2006" xmlns:a14="http://schemas.microsoft.com/office/drawing/2010/main">
+        <mc:Choice Requires="a14">
           <p:sp>
             <p:nvSpPr>
               <p:cNvPr id="3" name="Content Placeholder 2">
@@ -5959,7 +7120,7 @@
             </p:txBody>
           </p:sp>
         </mc:Choice>
-        <mc:Fallback>
+        <mc:Fallback xmlns="">
           <p:sp>
             <p:nvSpPr>
               <p:cNvPr id="3" name="Content Placeholder 2">
@@ -6241,7 +7402,7 @@
 </p:sld>
 </file>
 
-<file path=ppt/slides/slide15.xml><?xml version="1.0" encoding="utf-8"?>
+<file path=ppt/slides/slide17.xml><?xml version="1.0" encoding="utf-8"?>
 <p:sld xmlns:a="http://schemas.openxmlformats.org/drawingml/2006/main" xmlns:r="http://schemas.openxmlformats.org/officeDocument/2006/relationships" xmlns:p="http://schemas.openxmlformats.org/presentationml/2006/main">
   <p:cSld>
     <p:spTree>
@@ -6621,8 +7782,8 @@
           </a:p>
         </p:txBody>
       </p:sp>
-      <mc:AlternateContent xmlns:mc="http://schemas.openxmlformats.org/markup-compatibility/2006">
-        <mc:Choice xmlns:a14="http://schemas.microsoft.com/office/drawing/2010/main" Requires="a14">
+      <mc:AlternateContent xmlns:mc="http://schemas.openxmlformats.org/markup-compatibility/2006" xmlns:a14="http://schemas.microsoft.com/office/drawing/2010/main">
+        <mc:Choice Requires="a14">
           <p:sp>
             <p:nvSpPr>
               <p:cNvPr id="3" name="Content Placeholder 2">
@@ -6910,7 +8071,7 @@
             </p:txBody>
           </p:sp>
         </mc:Choice>
-        <mc:Fallback>
+        <mc:Fallback xmlns="">
           <p:sp>
             <p:nvSpPr>
               <p:cNvPr id="3" name="Content Placeholder 2">
@@ -11569,8 +12730,8 @@
           </a:graphicData>
         </a:graphic>
       </p:graphicFrame>
-      <mc:AlternateContent xmlns:mc="http://schemas.openxmlformats.org/markup-compatibility/2006">
-        <mc:Choice xmlns:a14="http://schemas.microsoft.com/office/drawing/2010/main" Requires="a14">
+      <mc:AlternateContent xmlns:mc="http://schemas.openxmlformats.org/markup-compatibility/2006" xmlns:a14="http://schemas.microsoft.com/office/drawing/2010/main">
+        <mc:Choice Requires="a14">
           <p:sp>
             <p:nvSpPr>
               <p:cNvPr id="7" name="Content Placeholder 2">
@@ -12445,7 +13606,7 @@
             </p:txBody>
           </p:sp>
         </mc:Choice>
-        <mc:Fallback>
+        <mc:Fallback xmlns="">
           <p:sp>
             <p:nvSpPr>
               <p:cNvPr id="7" name="Content Placeholder 2">
@@ -13268,8 +14429,8 @@
           </a:p>
         </p:txBody>
       </p:sp>
-      <mc:AlternateContent xmlns:mc="http://schemas.openxmlformats.org/markup-compatibility/2006">
-        <mc:Choice xmlns:a14="http://schemas.microsoft.com/office/drawing/2010/main" Requires="a14">
+      <mc:AlternateContent xmlns:mc="http://schemas.openxmlformats.org/markup-compatibility/2006" xmlns:a14="http://schemas.microsoft.com/office/drawing/2010/main">
+        <mc:Choice Requires="a14">
           <p:sp>
             <p:nvSpPr>
               <p:cNvPr id="3" name="Content Placeholder 2">
@@ -13466,7 +14627,7 @@
             </p:txBody>
           </p:sp>
         </mc:Choice>
-        <mc:Fallback>
+        <mc:Fallback xmlns="">
           <p:sp>
             <p:nvSpPr>
               <p:cNvPr id="3" name="Content Placeholder 2">
